--- a/Image Processing 101.pptx
+++ b/Image Processing 101.pptx
@@ -212,7 +212,7 @@
           <a:p>
             <a:fld id="{FB579774-3730-4367-8DB4-E6A0314F7998}" type="datetimeFigureOut">
               <a:rPr lang="fr-FR" smtClean="0"/>
-              <a:t>21/09/2018</a:t>
+              <a:t>20/09/2019</a:t>
             </a:fld>
             <a:endParaRPr lang="fr-FR"/>
           </a:p>
@@ -2046,7 +2046,7 @@
           <a:p>
             <a:fld id="{35D18C35-2E09-493D-BF89-75BB93B820EA}" type="datetime1">
               <a:rPr lang="fr-FR" smtClean="0"/>
-              <a:t>21/09/2018</a:t>
+              <a:t>20/09/2019</a:t>
             </a:fld>
             <a:endParaRPr lang="fr-FR"/>
           </a:p>
@@ -2384,7 +2384,7 @@
           <a:p>
             <a:fld id="{C8368ACE-9AAC-478F-ACE1-B3C3744B9AC2}" type="datetime1">
               <a:rPr lang="fr-FR" smtClean="0"/>
-              <a:t>21/09/2018</a:t>
+              <a:t>20/09/2019</a:t>
             </a:fld>
             <a:endParaRPr lang="fr-FR"/>
           </a:p>
@@ -2785,7 +2785,7 @@
           <a:p>
             <a:fld id="{70FBB5BD-FA84-4F68-97BE-0E1D535792EF}" type="datetime1">
               <a:rPr lang="fr-FR" smtClean="0"/>
-              <a:t>21/09/2018</a:t>
+              <a:t>20/09/2019</a:t>
             </a:fld>
             <a:endParaRPr lang="fr-FR"/>
           </a:p>
@@ -3121,7 +3121,7 @@
           <a:p>
             <a:fld id="{DD74373D-4CD5-494B-AE7F-BE67180CDEB4}" type="datetime1">
               <a:rPr lang="fr-FR" smtClean="0"/>
-              <a:t>21/09/2018</a:t>
+              <a:t>20/09/2019</a:t>
             </a:fld>
             <a:endParaRPr lang="fr-FR"/>
           </a:p>
@@ -3441,7 +3441,7 @@
           <a:p>
             <a:fld id="{E4AB21E9-0DA0-4863-BA4D-A04A7F7973E2}" type="datetime1">
               <a:rPr lang="fr-FR" smtClean="0"/>
-              <a:t>21/09/2018</a:t>
+              <a:t>20/09/2019</a:t>
             </a:fld>
             <a:endParaRPr lang="fr-FR"/>
           </a:p>
@@ -3837,7 +3837,7 @@
           <a:p>
             <a:fld id="{926ED85E-B089-4303-9430-51F62A7D565B}" type="datetime1">
               <a:rPr lang="fr-FR" smtClean="0"/>
-              <a:t>21/09/2018</a:t>
+              <a:t>20/09/2019</a:t>
             </a:fld>
             <a:endParaRPr lang="fr-FR"/>
           </a:p>
@@ -4094,7 +4094,7 @@
           <a:p>
             <a:fld id="{43039E78-F8EA-40FF-802B-ACB4DAB2E512}" type="datetime1">
               <a:rPr lang="fr-FR" smtClean="0"/>
-              <a:t>21/09/2018</a:t>
+              <a:t>20/09/2019</a:t>
             </a:fld>
             <a:endParaRPr lang="fr-FR"/>
           </a:p>
@@ -4356,7 +4356,7 @@
           <a:p>
             <a:fld id="{FE092135-1819-4696-BA37-B5647CBEB8C8}" type="datetime1">
               <a:rPr lang="fr-FR" smtClean="0"/>
-              <a:t>21/09/2018</a:t>
+              <a:t>20/09/2019</a:t>
             </a:fld>
             <a:endParaRPr lang="fr-FR"/>
           </a:p>
@@ -4618,7 +4618,7 @@
           <a:p>
             <a:fld id="{EE5194A1-33ED-4081-A832-D6D6720BB344}" type="datetime1">
               <a:rPr lang="fr-FR" smtClean="0"/>
-              <a:t>21/09/2018</a:t>
+              <a:t>20/09/2019</a:t>
             </a:fld>
             <a:endParaRPr lang="fr-FR"/>
           </a:p>
@@ -4947,7 +4947,7 @@
           <a:p>
             <a:fld id="{9222C41A-D2B2-4F07-B6E5-DE740FB2F99F}" type="datetime1">
               <a:rPr lang="fr-FR" smtClean="0"/>
-              <a:t>21/09/2018</a:t>
+              <a:t>20/09/2019</a:t>
             </a:fld>
             <a:endParaRPr lang="fr-FR"/>
           </a:p>
@@ -5270,7 +5270,7 @@
           <a:p>
             <a:fld id="{F2998AB3-DB27-4087-B25C-CFFB2FE926B2}" type="datetime1">
               <a:rPr lang="fr-FR" smtClean="0"/>
-              <a:t>21/09/2018</a:t>
+              <a:t>20/09/2019</a:t>
             </a:fld>
             <a:endParaRPr lang="fr-FR"/>
           </a:p>
@@ -5727,7 +5727,7 @@
           <a:p>
             <a:fld id="{1A178E9E-BD3A-432D-9E63-F32B54633D2C}" type="datetime1">
               <a:rPr lang="fr-FR" smtClean="0"/>
-              <a:t>21/09/2018</a:t>
+              <a:t>20/09/2019</a:t>
             </a:fld>
             <a:endParaRPr lang="fr-FR"/>
           </a:p>
@@ -5932,7 +5932,7 @@
           <a:p>
             <a:fld id="{F2D70FCB-B7BA-44E9-B44D-3E88D3B2C93E}" type="datetime1">
               <a:rPr lang="fr-FR" smtClean="0"/>
-              <a:t>21/09/2018</a:t>
+              <a:t>20/09/2019</a:t>
             </a:fld>
             <a:endParaRPr lang="fr-FR"/>
           </a:p>
@@ -6109,7 +6109,7 @@
           <a:p>
             <a:fld id="{15F0208A-F114-43A7-83F2-0B1712DDA77C}" type="datetime1">
               <a:rPr lang="fr-FR" smtClean="0"/>
-              <a:t>21/09/2018</a:t>
+              <a:t>20/09/2019</a:t>
             </a:fld>
             <a:endParaRPr lang="fr-FR"/>
           </a:p>
@@ -6442,7 +6442,7 @@
           <a:p>
             <a:fld id="{AB703113-1D00-4F7F-8325-35C1DBB8C52B}" type="datetime1">
               <a:rPr lang="fr-FR" smtClean="0"/>
-              <a:t>21/09/2018</a:t>
+              <a:t>20/09/2019</a:t>
             </a:fld>
             <a:endParaRPr lang="fr-FR"/>
           </a:p>
@@ -6787,7 +6787,7 @@
           <a:p>
             <a:fld id="{A94F6143-62E4-4F4E-9648-502E2BAEF6DE}" type="datetime1">
               <a:rPr lang="fr-FR" smtClean="0"/>
-              <a:t>21/09/2018</a:t>
+              <a:t>20/09/2019</a:t>
             </a:fld>
             <a:endParaRPr lang="fr-FR"/>
           </a:p>
@@ -8904,7 +8904,7 @@
           <a:p>
             <a:fld id="{64305614-E4D5-47DA-B45F-D7F41F91CB31}" type="datetime1">
               <a:rPr lang="fr-FR" smtClean="0"/>
-              <a:t>21/09/2018</a:t>
+              <a:t>20/09/2019</a:t>
             </a:fld>
             <a:endParaRPr lang="fr-FR"/>
           </a:p>
@@ -10004,7 +10004,7 @@
           <a:p>
             <a:r>
               <a:rPr lang="fr-FR" sz="2200" b="1" dirty="0"/>
-              <a:t>IKT (</a:t>
+              <a:t>ITK (</a:t>
             </a:r>
             <a:r>
               <a:rPr lang="fr-FR" sz="2200" b="1" dirty="0" err="1"/>
@@ -10616,6 +10616,64 @@
           <a:lstStyle/>
           <a:p>
             <a:r>
+              <a:rPr lang="en-GB" sz="2600">
+                <a:solidFill>
+                  <a:schemeClr val="accent1"/>
+                </a:solidFill>
+              </a:rPr>
+              <a:t>python</a:t>
+            </a:r>
+            <a:r>
+              <a:rPr lang="en-GB" sz="2600" b="1">
+                <a:solidFill>
+                  <a:schemeClr val="accent1"/>
+                </a:solidFill>
+              </a:rPr>
+              <a:t>3.5</a:t>
+            </a:r>
+            <a:r>
+              <a:rPr lang="en-GB" sz="2600">
+                <a:solidFill>
+                  <a:schemeClr val="accent1"/>
+                </a:solidFill>
+              </a:rPr>
+              <a:t> –m </a:t>
+            </a:r>
+            <a:r>
+              <a:rPr lang="en-GB" sz="2600" dirty="0">
+                <a:solidFill>
+                  <a:schemeClr val="accent1"/>
+                </a:solidFill>
+              </a:rPr>
+              <a:t>pip </a:t>
+            </a:r>
+            <a:r>
+              <a:rPr lang="en-GB" sz="2600">
+                <a:solidFill>
+                  <a:schemeClr val="accent1"/>
+                </a:solidFill>
+              </a:rPr>
+              <a:t>install --user --</a:t>
+            </a:r>
+            <a:r>
+              <a:rPr lang="en-GB" sz="2600" dirty="0">
+                <a:solidFill>
+                  <a:schemeClr val="accent1"/>
+                </a:solidFill>
+              </a:rPr>
+              <a:t>upgrade pip</a:t>
+            </a:r>
+          </a:p>
+          <a:p>
+            <a:pPr lvl="2"/>
+            <a:endParaRPr lang="fr-FR" sz="2200" dirty="0">
+              <a:solidFill>
+                <a:schemeClr val="accent1"/>
+              </a:solidFill>
+            </a:endParaRPr>
+          </a:p>
+          <a:p>
+            <a:r>
               <a:rPr lang="en-GB" sz="2600" dirty="0">
                 <a:solidFill>
                   <a:schemeClr val="accent1"/>
@@ -10637,12 +10695,25 @@
                   <a:schemeClr val="accent1"/>
                 </a:solidFill>
               </a:rPr>
-              <a:t> -m pip install --upgrade pip</a:t>
-            </a:r>
-          </a:p>
-          <a:p>
-            <a:pPr lvl="2"/>
-            <a:endParaRPr lang="fr-FR" sz="2200" dirty="0">
+              <a:t> –m pip install --user </a:t>
+            </a:r>
+            <a:r>
+              <a:rPr lang="en-GB" sz="2600" dirty="0" err="1">
+                <a:solidFill>
+                  <a:schemeClr val="accent1"/>
+                </a:solidFill>
+              </a:rPr>
+              <a:t>jupyterlab</a:t>
+            </a:r>
+            <a:endParaRPr lang="en-GB" sz="2600" dirty="0">
+              <a:solidFill>
+                <a:schemeClr val="accent1"/>
+              </a:solidFill>
+            </a:endParaRPr>
+          </a:p>
+          <a:p>
+            <a:pPr lvl="3"/>
+            <a:endParaRPr lang="fr-FR" sz="2000" dirty="0">
               <a:solidFill>
                 <a:schemeClr val="accent1"/>
               </a:solidFill>
@@ -10671,7 +10742,7 @@
                   <a:schemeClr val="accent1"/>
                 </a:solidFill>
               </a:rPr>
-              <a:t> -m pip install --user </a:t>
+              <a:t> –m pip install --user </a:t>
             </a:r>
             <a:r>
               <a:rPr lang="en-GB" sz="2600" dirty="0" err="1">
@@ -10679,13 +10750,16 @@
                   <a:schemeClr val="accent1"/>
                 </a:solidFill>
               </a:rPr>
-              <a:t>jupyterlab</a:t>
-            </a:r>
-            <a:endParaRPr lang="en-GB" sz="2600" dirty="0">
-              <a:solidFill>
-                <a:schemeClr val="accent1"/>
-              </a:solidFill>
-            </a:endParaRPr>
+              <a:t>opencv</a:t>
+            </a:r>
+            <a:r>
+              <a:rPr lang="en-GB" sz="2600" dirty="0">
+                <a:solidFill>
+                  <a:schemeClr val="accent1"/>
+                </a:solidFill>
+              </a:rPr>
+              <a:t>-python</a:t>
+            </a:r>
           </a:p>
           <a:p>
             <a:pPr lvl="3"/>
@@ -10710,7 +10784,7 @@
                   <a:schemeClr val="accent1"/>
                 </a:solidFill>
               </a:rPr>
-              <a:t>3.5</a:t>
+              <a:t>3.5 </a:t>
             </a:r>
             <a:r>
               <a:rPr lang="en-GB" sz="2600" dirty="0">
@@ -10718,57 +10792,7 @@
                   <a:schemeClr val="accent1"/>
                 </a:solidFill>
               </a:rPr>
-              <a:t> -m pip install --user </a:t>
-            </a:r>
-            <a:r>
-              <a:rPr lang="en-GB" sz="2600" dirty="0" err="1">
-                <a:solidFill>
-                  <a:schemeClr val="accent1"/>
-                </a:solidFill>
-              </a:rPr>
-              <a:t>opencv</a:t>
-            </a:r>
-            <a:r>
-              <a:rPr lang="en-GB" sz="2600" dirty="0">
-                <a:solidFill>
-                  <a:schemeClr val="accent1"/>
-                </a:solidFill>
-              </a:rPr>
-              <a:t>-python</a:t>
-            </a:r>
-          </a:p>
-          <a:p>
-            <a:pPr lvl="3"/>
-            <a:endParaRPr lang="fr-FR" sz="2000" dirty="0">
-              <a:solidFill>
-                <a:schemeClr val="accent1"/>
-              </a:solidFill>
-            </a:endParaRPr>
-          </a:p>
-          <a:p>
-            <a:r>
-              <a:rPr lang="en-GB" sz="2600" dirty="0">
-                <a:solidFill>
-                  <a:schemeClr val="accent1"/>
-                </a:solidFill>
-              </a:rPr>
-              <a:t>python</a:t>
-            </a:r>
-            <a:r>
-              <a:rPr lang="en-GB" sz="2600" b="1" dirty="0">
-                <a:solidFill>
-                  <a:schemeClr val="accent1"/>
-                </a:solidFill>
-              </a:rPr>
-              <a:t>3.5 </a:t>
-            </a:r>
-            <a:r>
-              <a:rPr lang="en-GB" sz="2600" dirty="0">
-                <a:solidFill>
-                  <a:schemeClr val="accent1"/>
-                </a:solidFill>
-              </a:rPr>
-              <a:t>-m pip install --user --upgrade matplotlib</a:t>
+              <a:t>–m pip install --user --upgrade matplotlib</a:t>
             </a:r>
           </a:p>
           <a:p>
@@ -10804,7 +10828,7 @@
                   <a:schemeClr val="accent1"/>
                 </a:solidFill>
               </a:rPr>
-              <a:t>-m pip install --user --upgrade </a:t>
+              <a:t>–m pip install --user --upgrade </a:t>
             </a:r>
             <a:r>
               <a:rPr lang="en-GB" sz="2600" dirty="0" err="1">
@@ -11053,25 +11077,38 @@
                   <a:srgbClr val="002060"/>
                 </a:solidFill>
               </a:rPr>
-              <a:t>Lien d’accès au dossier de cours: </a:t>
-            </a:r>
-            <a:r>
-              <a:rPr lang="fr-FR" sz="3200" dirty="0">
+              <a:t>Lien d’accès au dossier de cours</a:t>
+            </a:r>
+            <a:r>
+              <a:rPr lang="fr-FR" sz="3200" b="1">
+                <a:solidFill>
+                  <a:srgbClr val="002060"/>
+                </a:solidFill>
+              </a:rPr>
+              <a:t>: </a:t>
+            </a:r>
+            <a:r>
+              <a:rPr lang="fr-FR" sz="3200">
                 <a:solidFill>
                   <a:srgbClr val="002060"/>
                 </a:solidFill>
                 <a:hlinkClick r:id="rId3"/>
               </a:rPr>
-              <a:t>https://bit.ly/2x8cnRe</a:t>
-            </a:r>
-            <a:r>
-              <a:rPr lang="fr-FR" sz="3200" dirty="0">
+              <a:t>http://tiny.cc/ibiom-ti</a:t>
+            </a:r>
+            <a:r>
+              <a:rPr lang="fr-FR" sz="3200">
                 <a:solidFill>
                   <a:srgbClr val="002060"/>
                 </a:solidFill>
               </a:rPr>
               <a:t> </a:t>
             </a:r>
+            <a:endParaRPr lang="fr-FR" sz="3200" dirty="0">
+              <a:solidFill>
+                <a:srgbClr val="002060"/>
+              </a:solidFill>
+            </a:endParaRPr>
           </a:p>
           <a:p>
             <a:endParaRPr lang="fr-FR" dirty="0"/>
@@ -11307,7 +11344,7 @@
                   <a:srgbClr val="002060"/>
                 </a:solidFill>
               </a:rPr>
-              <a:t>Jeudi 13 (10h-13h)</a:t>
+              <a:t>Vendredi 13 (13h-16h)</a:t>
             </a:r>
           </a:p>
         </p:txBody>
@@ -11488,7 +11525,7 @@
                   <a:srgbClr val="002060"/>
                 </a:solidFill>
               </a:rPr>
-              <a:t>Jeudi 14 (10h-13h)</a:t>
+              <a:t>Vendredi 20 (13h-16h)</a:t>
             </a:r>
             <a:endParaRPr lang="fr-FR" dirty="0"/>
           </a:p>
@@ -11515,19 +11552,6 @@
             <a:normAutofit/>
           </a:bodyPr>
           <a:lstStyle/>
-          <a:p>
-            <a:pPr marL="0" indent="0">
-              <a:buNone/>
-            </a:pPr>
-            <a:r>
-              <a:rPr lang="fr-FR" sz="2400" b="1" dirty="0">
-                <a:solidFill>
-                  <a:srgbClr val="002060"/>
-                </a:solidFill>
-              </a:rPr>
-              <a:t>[Sur notebook]</a:t>
-            </a:r>
-          </a:p>
           <a:p>
             <a:pPr marL="0" indent="0">
               <a:buNone/>
@@ -11537,6 +11561,19 @@
                 <a:srgbClr val="002060"/>
               </a:solidFill>
             </a:endParaRPr>
+          </a:p>
+          <a:p>
+            <a:pPr marL="0" indent="0">
+              <a:buNone/>
+            </a:pPr>
+            <a:r>
+              <a:rPr lang="fr-FR" sz="2400" b="1" dirty="0">
+                <a:solidFill>
+                  <a:srgbClr val="002060"/>
+                </a:solidFill>
+              </a:rPr>
+              <a:t>[Sur notebook]</a:t>
+            </a:r>
           </a:p>
           <a:p>
             <a:r>
@@ -11821,18 +11858,18 @@
             <a:pPr lvl="1"/>
             <a:r>
               <a:rPr lang="fr-FR" sz="2000" b="1" dirty="0"/>
-              <a:t>Améliorer la qualité </a:t>
+              <a:t>Améliorer sa qualité </a:t>
             </a:r>
           </a:p>
           <a:p>
             <a:pPr lvl="1"/>
             <a:r>
               <a:rPr lang="fr-FR" sz="2000" b="1" dirty="0"/>
-              <a:t>Faire ressortir des informations </a:t>
+              <a:t>Extraire des informations </a:t>
             </a:r>
             <a:r>
               <a:rPr lang="fr-FR" sz="2000" dirty="0"/>
-              <a:t>pour répondre à un problème donné.</a:t>
+              <a:t>(pour répondre à un problème donné).</a:t>
             </a:r>
           </a:p>
           <a:p>
@@ -11846,7 +11883,7 @@
             </a:r>
             <a:r>
               <a:rPr lang="fr-FR" sz="2200" b="1" dirty="0"/>
-              <a:t>traitement du signal</a:t>
+              <a:t>traitement du signal,</a:t>
             </a:r>
             <a:r>
               <a:rPr lang="fr-FR" sz="2200" dirty="0"/>
@@ -12108,7 +12145,7 @@
           <a:p>
             <a:r>
               <a:rPr lang="fr-FR" sz="2400" dirty="0"/>
-              <a:t>Tout système qui comprends une caméra implique du traitement d’image !</a:t>
+              <a:t>Tout système qui inclut une caméra implique du traitement d’image !</a:t>
             </a:r>
           </a:p>
         </p:txBody>
@@ -12235,8 +12272,8 @@
           <a:p>
             <a:pPr lvl="1"/>
             <a:r>
-              <a:rPr lang="fr-FR" sz="2200" dirty="0"/>
-              <a:t>« Combien de cellules y-at-il sur l'image prise par mon microscope ? » </a:t>
+              <a:rPr lang="fr-FR" sz="2000" dirty="0"/>
+              <a:t>E.g. « Combien de cellules y-at-il sur l'image prise par mon microscope ? » </a:t>
             </a:r>
           </a:p>
           <a:p>
@@ -12259,7 +12296,7 @@
           <a:p>
             <a:pPr lvl="2"/>
             <a:r>
-              <a:rPr lang="fr-FR" sz="1800" dirty="0"/>
+              <a:rPr lang="fr-FR" sz="1800" i="1" dirty="0"/>
               <a:t>Retirer du bruit, changer son espace colorimétrique, …</a:t>
             </a:r>
           </a:p>
@@ -12277,7 +12314,7 @@
           <a:p>
             <a:pPr lvl="2"/>
             <a:r>
-              <a:rPr lang="fr-FR" sz="1800" dirty="0"/>
+              <a:rPr lang="fr-FR" sz="1800" i="1" dirty="0"/>
               <a:t>Extraire des points d’intérêts, des contours, des blobs (morceaux)</a:t>
             </a:r>
           </a:p>
@@ -12289,13 +12326,13 @@
             <a:pPr lvl="1"/>
             <a:r>
               <a:rPr lang="fr-FR" sz="2000" dirty="0"/>
-              <a:t>3. Prise de décision sur la base de ces caractéristiques</a:t>
+              <a:t>3. Prise de décision sur la base de ces caractéristiques (seuil de certitude)</a:t>
             </a:r>
           </a:p>
           <a:p>
             <a:pPr lvl="2"/>
             <a:r>
-              <a:rPr lang="fr-FR" sz="1800" dirty="0"/>
+              <a:rPr lang="fr-FR" sz="1800" i="1" dirty="0"/>
               <a:t>Classifier l’image, détecter des éléments (objets), …</a:t>
             </a:r>
           </a:p>
